--- a/Airbnb – Washington DC Analysis.pptx
+++ b/Airbnb – Washington DC Analysis.pptx
@@ -274,7 +274,7 @@
           <a:p>
             <a:fld id="{2F84E72A-8C75-4ACB-9E45-371DEDB03E6B}" type="datetimeFigureOut">
               <a:rPr lang="en-US" smtClean="0"/>
-              <a:t>6/11/2021</a:t>
+              <a:t>6/13/2021</a:t>
             </a:fld>
             <a:endParaRPr lang="en-US"/>
           </a:p>
@@ -472,7 +472,7 @@
           <a:p>
             <a:fld id="{2F84E72A-8C75-4ACB-9E45-371DEDB03E6B}" type="datetimeFigureOut">
               <a:rPr lang="en-US" smtClean="0"/>
-              <a:t>6/11/2021</a:t>
+              <a:t>6/13/2021</a:t>
             </a:fld>
             <a:endParaRPr lang="en-US"/>
           </a:p>
@@ -680,7 +680,7 @@
           <a:p>
             <a:fld id="{2F84E72A-8C75-4ACB-9E45-371DEDB03E6B}" type="datetimeFigureOut">
               <a:rPr lang="en-US" smtClean="0"/>
-              <a:t>6/11/2021</a:t>
+              <a:t>6/13/2021</a:t>
             </a:fld>
             <a:endParaRPr lang="en-US"/>
           </a:p>
@@ -878,7 +878,7 @@
           <a:p>
             <a:fld id="{2F84E72A-8C75-4ACB-9E45-371DEDB03E6B}" type="datetimeFigureOut">
               <a:rPr lang="en-US" smtClean="0"/>
-              <a:t>6/11/2021</a:t>
+              <a:t>6/13/2021</a:t>
             </a:fld>
             <a:endParaRPr lang="en-US"/>
           </a:p>
@@ -1153,7 +1153,7 @@
           <a:p>
             <a:fld id="{2F84E72A-8C75-4ACB-9E45-371DEDB03E6B}" type="datetimeFigureOut">
               <a:rPr lang="en-US" smtClean="0"/>
-              <a:t>6/11/2021</a:t>
+              <a:t>6/13/2021</a:t>
             </a:fld>
             <a:endParaRPr lang="en-US"/>
           </a:p>
@@ -1418,7 +1418,7 @@
           <a:p>
             <a:fld id="{2F84E72A-8C75-4ACB-9E45-371DEDB03E6B}" type="datetimeFigureOut">
               <a:rPr lang="en-US" smtClean="0"/>
-              <a:t>6/11/2021</a:t>
+              <a:t>6/13/2021</a:t>
             </a:fld>
             <a:endParaRPr lang="en-US"/>
           </a:p>
@@ -1830,7 +1830,7 @@
           <a:p>
             <a:fld id="{2F84E72A-8C75-4ACB-9E45-371DEDB03E6B}" type="datetimeFigureOut">
               <a:rPr lang="en-US" smtClean="0"/>
-              <a:t>6/11/2021</a:t>
+              <a:t>6/13/2021</a:t>
             </a:fld>
             <a:endParaRPr lang="en-US"/>
           </a:p>
@@ -1971,7 +1971,7 @@
           <a:p>
             <a:fld id="{2F84E72A-8C75-4ACB-9E45-371DEDB03E6B}" type="datetimeFigureOut">
               <a:rPr lang="en-US" smtClean="0"/>
-              <a:t>6/11/2021</a:t>
+              <a:t>6/13/2021</a:t>
             </a:fld>
             <a:endParaRPr lang="en-US"/>
           </a:p>
@@ -2084,7 +2084,7 @@
           <a:p>
             <a:fld id="{2F84E72A-8C75-4ACB-9E45-371DEDB03E6B}" type="datetimeFigureOut">
               <a:rPr lang="en-US" smtClean="0"/>
-              <a:t>6/11/2021</a:t>
+              <a:t>6/13/2021</a:t>
             </a:fld>
             <a:endParaRPr lang="en-US"/>
           </a:p>
@@ -2395,7 +2395,7 @@
           <a:p>
             <a:fld id="{2F84E72A-8C75-4ACB-9E45-371DEDB03E6B}" type="datetimeFigureOut">
               <a:rPr lang="en-US" smtClean="0"/>
-              <a:t>6/11/2021</a:t>
+              <a:t>6/13/2021</a:t>
             </a:fld>
             <a:endParaRPr lang="en-US"/>
           </a:p>
@@ -2683,7 +2683,7 @@
           <a:p>
             <a:fld id="{2F84E72A-8C75-4ACB-9E45-371DEDB03E6B}" type="datetimeFigureOut">
               <a:rPr lang="en-US" smtClean="0"/>
-              <a:t>6/11/2021</a:t>
+              <a:t>6/13/2021</a:t>
             </a:fld>
             <a:endParaRPr lang="en-US"/>
           </a:p>
@@ -2924,7 +2924,7 @@
           <a:p>
             <a:fld id="{2F84E72A-8C75-4ACB-9E45-371DEDB03E6B}" type="datetimeFigureOut">
               <a:rPr lang="en-US" smtClean="0"/>
-              <a:t>6/11/2021</a:t>
+              <a:t>6/13/2021</a:t>
             </a:fld>
             <a:endParaRPr lang="en-US"/>
           </a:p>
@@ -13618,7 +13618,7 @@
           <a:lstStyle/>
           <a:p>
             <a:r>
-              <a:rPr lang="en-US" sz="3600">
+              <a:rPr lang="en-US" sz="3600" dirty="0">
                 <a:solidFill>
                   <a:schemeClr val="tx2"/>
                 </a:solidFill>
@@ -13689,6 +13689,26 @@
             </a:r>
           </a:p>
           <a:p>
+            <a:r>
+              <a:rPr lang="en-US" sz="1800" dirty="0">
+                <a:solidFill>
+                  <a:schemeClr val="tx2"/>
+                </a:solidFill>
+              </a:rPr>
+              <a:t>The main dataset I will be working with is the listings data which includes fields like listings, coordinate location, neighborhood, price per night, room type, number of reviews, and availability days per year data on 39 neighborhoods that make up 8 Wards of Washington, D.C.</a:t>
+            </a:r>
+          </a:p>
+          <a:p>
+            <a:r>
+              <a:rPr lang="en-US" sz="1800" dirty="0">
+                <a:solidFill>
+                  <a:schemeClr val="tx2"/>
+                </a:solidFill>
+              </a:rPr>
+              <a:t>Image sources: https://en.wikipedia.org/wiki/Neighborhoods_in_Washington,_D.C.</a:t>
+            </a:r>
+          </a:p>
+          <a:p>
             <a:pPr marL="0" indent="0">
               <a:buNone/>
             </a:pPr>
@@ -13730,30 +13750,6 @@
               </a:rPr>
               <a:t>2) As a potential host, which area has the most demand and likelihood of occupancy in the D.C market for listings? </a:t>
             </a:r>
-          </a:p>
-          <a:p>
-            <a:endParaRPr lang="en-US" sz="1800" dirty="0">
-              <a:solidFill>
-                <a:schemeClr val="tx2"/>
-              </a:solidFill>
-            </a:endParaRPr>
-          </a:p>
-          <a:p>
-            <a:r>
-              <a:rPr lang="en-US" sz="1800" dirty="0">
-                <a:solidFill>
-                  <a:schemeClr val="tx2"/>
-                </a:solidFill>
-              </a:rPr>
-              <a:t>The main data I will be working with is the listings data and it includes all kinds of data from which I selected data regarding the following: listings, coordinate location, neighborhood, price per night, room type, number of reviews, review scores, and availability days per year.</a:t>
-            </a:r>
-          </a:p>
-          <a:p>
-            <a:endParaRPr lang="en-US" sz="1800" dirty="0">
-              <a:solidFill>
-                <a:schemeClr val="tx2"/>
-              </a:solidFill>
-            </a:endParaRPr>
           </a:p>
         </p:txBody>
       </p:sp>
